--- a/Heart_Disease_Model_Presentation.pptx
+++ b/Heart_Disease_Model_Presentation.pptx
@@ -5,7 +5,7 @@
     <p:sldMasterId id="2147483648" r:id="rId1"/>
   </p:sldMasterIdLst>
   <p:notesMasterIdLst>
-    <p:notesMasterId r:id="rId28"/>
+    <p:notesMasterId r:id="rId29"/>
   </p:notesMasterIdLst>
   <p:sldIdLst>
     <p:sldId id="256" r:id="rId2"/>
@@ -22,18 +22,19 @@
     <p:sldId id="265" r:id="rId13"/>
     <p:sldId id="261" r:id="rId14"/>
     <p:sldId id="280" r:id="rId15"/>
-    <p:sldId id="268" r:id="rId16"/>
-    <p:sldId id="269" r:id="rId17"/>
-    <p:sldId id="270" r:id="rId18"/>
-    <p:sldId id="271" r:id="rId19"/>
-    <p:sldId id="272" r:id="rId20"/>
-    <p:sldId id="273" r:id="rId21"/>
-    <p:sldId id="274" r:id="rId22"/>
-    <p:sldId id="275" r:id="rId23"/>
-    <p:sldId id="276" r:id="rId24"/>
-    <p:sldId id="277" r:id="rId25"/>
-    <p:sldId id="278" r:id="rId26"/>
-    <p:sldId id="279" r:id="rId27"/>
+    <p:sldId id="289" r:id="rId16"/>
+    <p:sldId id="268" r:id="rId17"/>
+    <p:sldId id="269" r:id="rId18"/>
+    <p:sldId id="270" r:id="rId19"/>
+    <p:sldId id="271" r:id="rId20"/>
+    <p:sldId id="272" r:id="rId21"/>
+    <p:sldId id="273" r:id="rId22"/>
+    <p:sldId id="274" r:id="rId23"/>
+    <p:sldId id="275" r:id="rId24"/>
+    <p:sldId id="276" r:id="rId25"/>
+    <p:sldId id="277" r:id="rId26"/>
+    <p:sldId id="278" r:id="rId27"/>
+    <p:sldId id="279" r:id="rId28"/>
   </p:sldIdLst>
   <p:sldSz cx="9144000" cy="6858000" type="screen4x3"/>
   <p:notesSz cx="6858000" cy="9144000"/>
@@ -154,7 +155,7 @@
 <file path=ppt/revisionInfo.xml><?xml version="1.0" encoding="utf-8"?>
 <p1510:revInfo xmlns:a="http://schemas.openxmlformats.org/drawingml/2006/main" xmlns:r="http://schemas.openxmlformats.org/officeDocument/2006/relationships" xmlns:p1510="http://schemas.microsoft.com/office/powerpoint/2015/10/main">
   <p1510:revLst>
-    <p1510:client id="{C4827902-F3BB-44F7-AFAD-CFCA99A28693}" v="82" dt="2025-04-21T00:47:22.542"/>
+    <p1510:client id="{C4827902-F3BB-44F7-AFAD-CFCA99A28693}" v="93" dt="2025-04-21T23:13:16.691"/>
   </p1510:revLst>
 </p1510:revInfo>
 </file>
@@ -164,26 +165,26 @@
   <pc:docChgLst>
     <pc:chgData name="Andrea Hazzard" userId="f8d997080a0a13a9" providerId="LiveId" clId="{C4827902-F3BB-44F7-AFAD-CFCA99A28693}"/>
     <pc:docChg chg="undo custSel addSld delSld modSld sldOrd">
-      <pc:chgData name="Andrea Hazzard" userId="f8d997080a0a13a9" providerId="LiveId" clId="{C4827902-F3BB-44F7-AFAD-CFCA99A28693}" dt="2025-04-21T00:50:04.070" v="5916" actId="6549"/>
+      <pc:chgData name="Andrea Hazzard" userId="f8d997080a0a13a9" providerId="LiveId" clId="{C4827902-F3BB-44F7-AFAD-CFCA99A28693}" dt="2025-04-21T23:13:16.691" v="6413"/>
       <pc:docMkLst>
         <pc:docMk/>
       </pc:docMkLst>
       <pc:sldChg chg="modNotesTx">
-        <pc:chgData name="Andrea Hazzard" userId="f8d997080a0a13a9" providerId="LiveId" clId="{C4827902-F3BB-44F7-AFAD-CFCA99A28693}" dt="2025-04-17T23:04:44.560" v="931" actId="20577"/>
+        <pc:chgData name="Andrea Hazzard" userId="f8d997080a0a13a9" providerId="LiveId" clId="{C4827902-F3BB-44F7-AFAD-CFCA99A28693}" dt="2025-04-21T22:49:18.531" v="5926" actId="20577"/>
         <pc:sldMkLst>
           <pc:docMk/>
           <pc:sldMk cId="0" sldId="256"/>
         </pc:sldMkLst>
       </pc:sldChg>
       <pc:sldChg chg="modNotesTx">
-        <pc:chgData name="Andrea Hazzard" userId="f8d997080a0a13a9" providerId="LiveId" clId="{C4827902-F3BB-44F7-AFAD-CFCA99A28693}" dt="2025-04-20T23:08:40.535" v="2632" actId="20577"/>
+        <pc:chgData name="Andrea Hazzard" userId="f8d997080a0a13a9" providerId="LiveId" clId="{C4827902-F3BB-44F7-AFAD-CFCA99A28693}" dt="2025-04-21T22:49:30.068" v="5945" actId="20577"/>
         <pc:sldMkLst>
           <pc:docMk/>
           <pc:sldMk cId="0" sldId="257"/>
         </pc:sldMkLst>
       </pc:sldChg>
       <pc:sldChg chg="modNotesTx">
-        <pc:chgData name="Andrea Hazzard" userId="f8d997080a0a13a9" providerId="LiveId" clId="{C4827902-F3BB-44F7-AFAD-CFCA99A28693}" dt="2025-04-17T23:10:31.273" v="1585" actId="6549"/>
+        <pc:chgData name="Andrea Hazzard" userId="f8d997080a0a13a9" providerId="LiveId" clId="{C4827902-F3BB-44F7-AFAD-CFCA99A28693}" dt="2025-04-21T22:49:38.699" v="5957" actId="20577"/>
         <pc:sldMkLst>
           <pc:docMk/>
           <pc:sldMk cId="0" sldId="258"/>
@@ -197,7 +198,7 @@
         </pc:sldMkLst>
       </pc:sldChg>
       <pc:sldChg chg="modSp mod modNotesTx">
-        <pc:chgData name="Andrea Hazzard" userId="f8d997080a0a13a9" providerId="LiveId" clId="{C4827902-F3BB-44F7-AFAD-CFCA99A28693}" dt="2025-04-21T00:39:19.228" v="5277" actId="20577"/>
+        <pc:chgData name="Andrea Hazzard" userId="f8d997080a0a13a9" providerId="LiveId" clId="{C4827902-F3BB-44F7-AFAD-CFCA99A28693}" dt="2025-04-21T22:50:44.692" v="6033" actId="20577"/>
         <pc:sldMkLst>
           <pc:docMk/>
           <pc:sldMk cId="0" sldId="260"/>
@@ -211,15 +212,15 @@
           </ac:graphicFrameMkLst>
         </pc:graphicFrameChg>
       </pc:sldChg>
-      <pc:sldChg chg="ord">
-        <pc:chgData name="Andrea Hazzard" userId="f8d997080a0a13a9" providerId="LiveId" clId="{C4827902-F3BB-44F7-AFAD-CFCA99A28693}" dt="2025-04-21T00:29:18.463" v="4901"/>
+      <pc:sldChg chg="ord modNotesTx">
+        <pc:chgData name="Andrea Hazzard" userId="f8d997080a0a13a9" providerId="LiveId" clId="{C4827902-F3BB-44F7-AFAD-CFCA99A28693}" dt="2025-04-21T22:51:11.888" v="6053" actId="20577"/>
         <pc:sldMkLst>
           <pc:docMk/>
           <pc:sldMk cId="0" sldId="261"/>
         </pc:sldMkLst>
       </pc:sldChg>
       <pc:sldChg chg="addSp modSp mod ord modNotesTx">
-        <pc:chgData name="Andrea Hazzard" userId="f8d997080a0a13a9" providerId="LiveId" clId="{C4827902-F3BB-44F7-AFAD-CFCA99A28693}" dt="2025-04-21T00:33:39.334" v="5218"/>
+        <pc:chgData name="Andrea Hazzard" userId="f8d997080a0a13a9" providerId="LiveId" clId="{C4827902-F3BB-44F7-AFAD-CFCA99A28693}" dt="2025-04-21T22:49:47.355" v="5970" actId="20577"/>
         <pc:sldMkLst>
           <pc:docMk/>
           <pc:sldMk cId="0" sldId="263"/>
@@ -248,8 +249,8 @@
           <pc:sldMk cId="0" sldId="264"/>
         </pc:sldMkLst>
       </pc:sldChg>
-      <pc:sldChg chg="addSp delSp modSp mod">
-        <pc:chgData name="Andrea Hazzard" userId="f8d997080a0a13a9" providerId="LiveId" clId="{C4827902-F3BB-44F7-AFAD-CFCA99A28693}" dt="2025-04-21T00:21:52.879" v="4870" actId="1076"/>
+      <pc:sldChg chg="addSp delSp modSp mod modNotesTx">
+        <pc:chgData name="Andrea Hazzard" userId="f8d997080a0a13a9" providerId="LiveId" clId="{C4827902-F3BB-44F7-AFAD-CFCA99A28693}" dt="2025-04-21T22:51:05.220" v="6047" actId="20577"/>
         <pc:sldMkLst>
           <pc:docMk/>
           <pc:sldMk cId="0" sldId="265"/>
@@ -285,8 +286,8 @@
           <pc:sldMk cId="0" sldId="267"/>
         </pc:sldMkLst>
       </pc:sldChg>
-      <pc:sldChg chg="addSp modSp mod">
-        <pc:chgData name="Andrea Hazzard" userId="f8d997080a0a13a9" providerId="LiveId" clId="{C4827902-F3BB-44F7-AFAD-CFCA99A28693}" dt="2025-04-17T22:03:23.548" v="159" actId="1037"/>
+      <pc:sldChg chg="addSp modSp mod modNotesTx">
+        <pc:chgData name="Andrea Hazzard" userId="f8d997080a0a13a9" providerId="LiveId" clId="{C4827902-F3BB-44F7-AFAD-CFCA99A28693}" dt="2025-04-21T22:51:29.073" v="6068" actId="20577"/>
         <pc:sldMkLst>
           <pc:docMk/>
           <pc:sldMk cId="0" sldId="268"/>
@@ -308,8 +309,8 @@
           </ac:spMkLst>
         </pc:spChg>
       </pc:sldChg>
-      <pc:sldChg chg="addSp delSp modSp mod">
-        <pc:chgData name="Andrea Hazzard" userId="f8d997080a0a13a9" providerId="LiveId" clId="{C4827902-F3BB-44F7-AFAD-CFCA99A28693}" dt="2025-04-17T22:58:53.650" v="905" actId="1036"/>
+      <pc:sldChg chg="addSp delSp modSp mod modNotesTx">
+        <pc:chgData name="Andrea Hazzard" userId="f8d997080a0a13a9" providerId="LiveId" clId="{C4827902-F3BB-44F7-AFAD-CFCA99A28693}" dt="2025-04-21T22:51:35.167" v="6077" actId="20577"/>
         <pc:sldMkLst>
           <pc:docMk/>
           <pc:sldMk cId="0" sldId="269"/>
@@ -396,7 +397,7 @@
         </pc:picChg>
       </pc:sldChg>
       <pc:sldChg chg="addSp modSp mod modNotesTx">
-        <pc:chgData name="Andrea Hazzard" userId="f8d997080a0a13a9" providerId="LiveId" clId="{C4827902-F3BB-44F7-AFAD-CFCA99A28693}" dt="2025-04-17T22:20:20.687" v="461" actId="571"/>
+        <pc:chgData name="Andrea Hazzard" userId="f8d997080a0a13a9" providerId="LiveId" clId="{C4827902-F3BB-44F7-AFAD-CFCA99A28693}" dt="2025-04-21T22:51:41.852" v="6086" actId="20577"/>
         <pc:sldMkLst>
           <pc:docMk/>
           <pc:sldMk cId="0" sldId="270"/>
@@ -514,8 +515,8 @@
           </ac:picMkLst>
         </pc:picChg>
       </pc:sldChg>
-      <pc:sldChg chg="addSp modSp">
-        <pc:chgData name="Andrea Hazzard" userId="f8d997080a0a13a9" providerId="LiveId" clId="{C4827902-F3BB-44F7-AFAD-CFCA99A28693}" dt="2025-04-17T22:21:07.516" v="462"/>
+      <pc:sldChg chg="addSp modSp modNotesTx">
+        <pc:chgData name="Andrea Hazzard" userId="f8d997080a0a13a9" providerId="LiveId" clId="{C4827902-F3BB-44F7-AFAD-CFCA99A28693}" dt="2025-04-21T22:51:49.161" v="6095" actId="20577"/>
         <pc:sldMkLst>
           <pc:docMk/>
           <pc:sldMk cId="0" sldId="271"/>
@@ -537,8 +538,8 @@
           </ac:spMkLst>
         </pc:spChg>
       </pc:sldChg>
-      <pc:sldChg chg="addSp modSp">
-        <pc:chgData name="Andrea Hazzard" userId="f8d997080a0a13a9" providerId="LiveId" clId="{C4827902-F3BB-44F7-AFAD-CFCA99A28693}" dt="2025-04-17T22:21:12.388" v="463"/>
+      <pc:sldChg chg="addSp modSp modNotesTx">
+        <pc:chgData name="Andrea Hazzard" userId="f8d997080a0a13a9" providerId="LiveId" clId="{C4827902-F3BB-44F7-AFAD-CFCA99A28693}" dt="2025-04-21T22:51:57.021" v="6103" actId="20577"/>
         <pc:sldMkLst>
           <pc:docMk/>
           <pc:sldMk cId="0" sldId="272"/>
@@ -560,8 +561,8 @@
           </ac:spMkLst>
         </pc:spChg>
       </pc:sldChg>
-      <pc:sldChg chg="addSp modSp mod">
-        <pc:chgData name="Andrea Hazzard" userId="f8d997080a0a13a9" providerId="LiveId" clId="{C4827902-F3BB-44F7-AFAD-CFCA99A28693}" dt="2025-04-17T22:25:44.119" v="581" actId="6549"/>
+      <pc:sldChg chg="addSp modSp mod modNotesTx">
+        <pc:chgData name="Andrea Hazzard" userId="f8d997080a0a13a9" providerId="LiveId" clId="{C4827902-F3BB-44F7-AFAD-CFCA99A28693}" dt="2025-04-21T22:52:02.705" v="6111" actId="20577"/>
         <pc:sldMkLst>
           <pc:docMk/>
           <pc:sldMk cId="0" sldId="273"/>
@@ -631,8 +632,8 @@
           </ac:picMkLst>
         </pc:picChg>
       </pc:sldChg>
-      <pc:sldChg chg="addSp delSp modSp mod">
-        <pc:chgData name="Andrea Hazzard" userId="f8d997080a0a13a9" providerId="LiveId" clId="{C4827902-F3BB-44F7-AFAD-CFCA99A28693}" dt="2025-04-21T00:48:25.885" v="5873" actId="1036"/>
+      <pc:sldChg chg="addSp delSp modSp mod modNotesTx">
+        <pc:chgData name="Andrea Hazzard" userId="f8d997080a0a13a9" providerId="LiveId" clId="{C4827902-F3BB-44F7-AFAD-CFCA99A28693}" dt="2025-04-21T22:52:08.541" v="6119" actId="20577"/>
         <pc:sldMkLst>
           <pc:docMk/>
           <pc:sldMk cId="0" sldId="274"/>
@@ -734,8 +735,8 @@
           </ac:picMkLst>
         </pc:picChg>
       </pc:sldChg>
-      <pc:sldChg chg="addSp modSp">
-        <pc:chgData name="Andrea Hazzard" userId="f8d997080a0a13a9" providerId="LiveId" clId="{C4827902-F3BB-44F7-AFAD-CFCA99A28693}" dt="2025-04-17T22:34:22.393" v="719"/>
+      <pc:sldChg chg="addSp modSp modNotesTx">
+        <pc:chgData name="Andrea Hazzard" userId="f8d997080a0a13a9" providerId="LiveId" clId="{C4827902-F3BB-44F7-AFAD-CFCA99A28693}" dt="2025-04-21T22:52:14.772" v="6127" actId="20577"/>
         <pc:sldMkLst>
           <pc:docMk/>
           <pc:sldMk cId="0" sldId="275"/>
@@ -758,7 +759,7 @@
         </pc:spChg>
       </pc:sldChg>
       <pc:sldChg chg="addSp modSp mod modNotesTx">
-        <pc:chgData name="Andrea Hazzard" userId="f8d997080a0a13a9" providerId="LiveId" clId="{C4827902-F3BB-44F7-AFAD-CFCA99A28693}" dt="2025-04-21T00:49:42.198" v="5915" actId="20577"/>
+        <pc:chgData name="Andrea Hazzard" userId="f8d997080a0a13a9" providerId="LiveId" clId="{C4827902-F3BB-44F7-AFAD-CFCA99A28693}" dt="2025-04-21T22:52:20.562" v="6135" actId="20577"/>
         <pc:sldMkLst>
           <pc:docMk/>
           <pc:sldMk cId="0" sldId="276"/>
@@ -813,7 +814,7 @@
         </pc:spChg>
       </pc:sldChg>
       <pc:sldChg chg="addSp delSp modSp mod modNotesTx">
-        <pc:chgData name="Andrea Hazzard" userId="f8d997080a0a13a9" providerId="LiveId" clId="{C4827902-F3BB-44F7-AFAD-CFCA99A28693}" dt="2025-04-21T00:50:04.070" v="5916" actId="6549"/>
+        <pc:chgData name="Andrea Hazzard" userId="f8d997080a0a13a9" providerId="LiveId" clId="{C4827902-F3BB-44F7-AFAD-CFCA99A28693}" dt="2025-04-21T22:52:26.120" v="6143" actId="20577"/>
         <pc:sldMkLst>
           <pc:docMk/>
           <pc:sldMk cId="0" sldId="277"/>
@@ -891,8 +892,8 @@
           </ac:picMkLst>
         </pc:picChg>
       </pc:sldChg>
-      <pc:sldChg chg="modSp mod">
-        <pc:chgData name="Andrea Hazzard" userId="f8d997080a0a13a9" providerId="LiveId" clId="{C4827902-F3BB-44F7-AFAD-CFCA99A28693}" dt="2025-04-17T22:43:36.605" v="827" actId="27636"/>
+      <pc:sldChg chg="modSp mod modNotesTx">
+        <pc:chgData name="Andrea Hazzard" userId="f8d997080a0a13a9" providerId="LiveId" clId="{C4827902-F3BB-44F7-AFAD-CFCA99A28693}" dt="2025-04-21T22:52:31.399" v="6151" actId="20577"/>
         <pc:sldMkLst>
           <pc:docMk/>
           <pc:sldMk cId="0" sldId="278"/>
@@ -906,15 +907,22 @@
           </ac:spMkLst>
         </pc:spChg>
       </pc:sldChg>
+      <pc:sldChg chg="modNotesTx">
+        <pc:chgData name="Andrea Hazzard" userId="f8d997080a0a13a9" providerId="LiveId" clId="{C4827902-F3BB-44F7-AFAD-CFCA99A28693}" dt="2025-04-21T22:52:38.503" v="6159" actId="20577"/>
+        <pc:sldMkLst>
+          <pc:docMk/>
+          <pc:sldMk cId="0" sldId="279"/>
+        </pc:sldMkLst>
+      </pc:sldChg>
       <pc:sldChg chg="ord modNotesTx">
-        <pc:chgData name="Andrea Hazzard" userId="f8d997080a0a13a9" providerId="LiveId" clId="{C4827902-F3BB-44F7-AFAD-CFCA99A28693}" dt="2025-04-21T00:45:05.117" v="5771" actId="20577"/>
+        <pc:chgData name="Andrea Hazzard" userId="f8d997080a0a13a9" providerId="LiveId" clId="{C4827902-F3BB-44F7-AFAD-CFCA99A28693}" dt="2025-04-21T22:51:19.721" v="6059" actId="20577"/>
         <pc:sldMkLst>
           <pc:docMk/>
           <pc:sldMk cId="1367968390" sldId="280"/>
         </pc:sldMkLst>
       </pc:sldChg>
-      <pc:sldChg chg="addSp delSp modSp add mod ord setBg">
-        <pc:chgData name="Andrea Hazzard" userId="f8d997080a0a13a9" providerId="LiveId" clId="{C4827902-F3BB-44F7-AFAD-CFCA99A28693}" dt="2025-04-21T00:29:56.672" v="4905"/>
+      <pc:sldChg chg="addSp delSp modSp add mod ord setBg modNotesTx">
+        <pc:chgData name="Andrea Hazzard" userId="f8d997080a0a13a9" providerId="LiveId" clId="{C4827902-F3BB-44F7-AFAD-CFCA99A28693}" dt="2025-04-21T22:50:13.042" v="6005" actId="20577"/>
         <pc:sldMkLst>
           <pc:docMk/>
           <pc:sldMk cId="3094835827" sldId="281"/>
@@ -1063,7 +1071,7 @@
         </pc:sldMkLst>
       </pc:sldChg>
       <pc:sldChg chg="addSp delSp modSp new mod modNotesTx">
-        <pc:chgData name="Andrea Hazzard" userId="f8d997080a0a13a9" providerId="LiveId" clId="{C4827902-F3BB-44F7-AFAD-CFCA99A28693}" dt="2025-04-21T00:44:18.872" v="5674" actId="20577"/>
+        <pc:chgData name="Andrea Hazzard" userId="f8d997080a0a13a9" providerId="LiveId" clId="{C4827902-F3BB-44F7-AFAD-CFCA99A28693}" dt="2025-04-21T22:50:53.776" v="6039" actId="20577"/>
         <pc:sldMkLst>
           <pc:docMk/>
           <pc:sldMk cId="2742119226" sldId="284"/>
@@ -1134,7 +1142,7 @@
         </pc:picChg>
       </pc:sldChg>
       <pc:sldChg chg="addSp delSp modSp new mod setBg modNotesTx">
-        <pc:chgData name="Andrea Hazzard" userId="f8d997080a0a13a9" providerId="LiveId" clId="{C4827902-F3BB-44F7-AFAD-CFCA99A28693}" dt="2025-04-21T00:09:04.098" v="4661" actId="20577"/>
+        <pc:chgData name="Andrea Hazzard" userId="f8d997080a0a13a9" providerId="LiveId" clId="{C4827902-F3BB-44F7-AFAD-CFCA99A28693}" dt="2025-04-21T22:50:37.534" v="6027" actId="20577"/>
         <pc:sldMkLst>
           <pc:docMk/>
           <pc:sldMk cId="110132295" sldId="285"/>
@@ -1173,7 +1181,7 @@
         </pc:picChg>
       </pc:sldChg>
       <pc:sldChg chg="addSp delSp modSp new mod setBg modNotesTx">
-        <pc:chgData name="Andrea Hazzard" userId="f8d997080a0a13a9" providerId="LiveId" clId="{C4827902-F3BB-44F7-AFAD-CFCA99A28693}" dt="2025-04-21T00:32:12.209" v="5049" actId="20577"/>
+        <pc:chgData name="Andrea Hazzard" userId="f8d997080a0a13a9" providerId="LiveId" clId="{C4827902-F3BB-44F7-AFAD-CFCA99A28693}" dt="2025-04-21T22:49:55.052" v="5981" actId="20577"/>
         <pc:sldMkLst>
           <pc:docMk/>
           <pc:sldMk cId="1597439251" sldId="286"/>
@@ -1252,7 +1260,7 @@
         </pc:graphicFrameChg>
       </pc:sldChg>
       <pc:sldChg chg="addSp delSp modSp new mod setBg modAnim modNotesTx">
-        <pc:chgData name="Andrea Hazzard" userId="f8d997080a0a13a9" providerId="LiveId" clId="{C4827902-F3BB-44F7-AFAD-CFCA99A28693}" dt="2025-04-21T00:34:08.197" v="5257" actId="20577"/>
+        <pc:chgData name="Andrea Hazzard" userId="f8d997080a0a13a9" providerId="LiveId" clId="{C4827902-F3BB-44F7-AFAD-CFCA99A28693}" dt="2025-04-21T22:50:02.508" v="5993" actId="20577"/>
         <pc:sldMkLst>
           <pc:docMk/>
           <pc:sldMk cId="2797517382" sldId="287"/>
@@ -1338,8 +1346,8 @@
           </ac:picMkLst>
         </pc:picChg>
       </pc:sldChg>
-      <pc:sldChg chg="addSp delSp modSp add mod modNotesTx">
-        <pc:chgData name="Andrea Hazzard" userId="f8d997080a0a13a9" providerId="LiveId" clId="{C4827902-F3BB-44F7-AFAD-CFCA99A28693}" dt="2025-04-21T00:07:38.144" v="4342" actId="20577"/>
+      <pc:sldChg chg="addSp delSp modSp add mod modAnim modNotesTx">
+        <pc:chgData name="Andrea Hazzard" userId="f8d997080a0a13a9" providerId="LiveId" clId="{C4827902-F3BB-44F7-AFAD-CFCA99A28693}" dt="2025-04-21T23:13:16.691" v="6413"/>
         <pc:sldMkLst>
           <pc:docMk/>
           <pc:sldMk cId="523526661" sldId="288"/>
@@ -1374,6 +1382,45 @@
             <pc:docMk/>
             <pc:sldMk cId="523526661" sldId="288"/>
             <ac:picMk id="7" creationId="{3DDFC66F-45D8-695F-1561-6928C1161586}"/>
+          </ac:picMkLst>
+        </pc:picChg>
+      </pc:sldChg>
+      <pc:sldChg chg="addSp delSp modSp new mod setBg">
+        <pc:chgData name="Andrea Hazzard" userId="f8d997080a0a13a9" providerId="LiveId" clId="{C4827902-F3BB-44F7-AFAD-CFCA99A28693}" dt="2025-04-21T23:05:30.965" v="6402" actId="255"/>
+        <pc:sldMkLst>
+          <pc:docMk/>
+          <pc:sldMk cId="3240978141" sldId="289"/>
+        </pc:sldMkLst>
+        <pc:spChg chg="del">
+          <ac:chgData name="Andrea Hazzard" userId="f8d997080a0a13a9" providerId="LiveId" clId="{C4827902-F3BB-44F7-AFAD-CFCA99A28693}" dt="2025-04-21T23:03:41.608" v="6161" actId="478"/>
+          <ac:spMkLst>
+            <pc:docMk/>
+            <pc:sldMk cId="3240978141" sldId="289"/>
+            <ac:spMk id="2" creationId="{78E4F367-6FF1-8B08-BAC4-F1C14EF03FE9}"/>
+          </ac:spMkLst>
+        </pc:spChg>
+        <pc:spChg chg="mod">
+          <ac:chgData name="Andrea Hazzard" userId="f8d997080a0a13a9" providerId="LiveId" clId="{C4827902-F3BB-44F7-AFAD-CFCA99A28693}" dt="2025-04-21T23:05:30.965" v="6402" actId="255"/>
+          <ac:spMkLst>
+            <pc:docMk/>
+            <pc:sldMk cId="3240978141" sldId="289"/>
+            <ac:spMk id="3" creationId="{7F5D5105-40CB-D0A3-CA6A-DE660104E066}"/>
+          </ac:spMkLst>
+        </pc:spChg>
+        <pc:spChg chg="add">
+          <ac:chgData name="Andrea Hazzard" userId="f8d997080a0a13a9" providerId="LiveId" clId="{C4827902-F3BB-44F7-AFAD-CFCA99A28693}" dt="2025-04-21T23:05:17.555" v="6400" actId="26606"/>
+          <ac:spMkLst>
+            <pc:docMk/>
+            <pc:sldMk cId="3240978141" sldId="289"/>
+            <ac:spMk id="9" creationId="{9F7D5CDA-D291-4307-BF55-1381FED29634}"/>
+          </ac:spMkLst>
+        </pc:spChg>
+        <pc:picChg chg="add">
+          <ac:chgData name="Andrea Hazzard" userId="f8d997080a0a13a9" providerId="LiveId" clId="{C4827902-F3BB-44F7-AFAD-CFCA99A28693}" dt="2025-04-21T23:05:17.555" v="6400" actId="26606"/>
+          <ac:picMkLst>
+            <pc:docMk/>
+            <pc:sldMk cId="3240978141" sldId="289"/>
+            <ac:picMk id="5" creationId="{BDD08D61-3FAA-46C3-9864-404455E29C02}"/>
           </ac:picMkLst>
         </pc:picChg>
       </pc:sldChg>
@@ -21860,6 +21907,12 @@
           <a:lstStyle/>
           <a:p>
             <a:r>
+              <a:rPr lang="en-US" dirty="0"/>
+              <a:t>Sebastian</a:t>
+            </a:r>
+          </a:p>
+          <a:p>
+            <a:r>
               <a:rPr dirty="0"/>
               <a:t>Welcome to our Heart Disease Prediction project. This presentation outlines our </a:t>
             </a:r>
@@ -21937,6 +21990,15 @@
         <p:txBody>
           <a:bodyPr/>
           <a:lstStyle/>
+          <a:p>
+            <a:r>
+              <a:rPr lang="en-US" dirty="0"/>
+              <a:t>Cori</a:t>
+            </a:r>
+          </a:p>
+          <a:p>
+            <a:endParaRPr lang="en-US" dirty="0"/>
+          </a:p>
           <a:p>
             <a:r>
               <a:rPr dirty="0"/>
@@ -22041,6 +22103,15 @@
           <a:p>
             <a:r>
               <a:rPr lang="en-US" dirty="0"/>
+              <a:t>Cori</a:t>
+            </a:r>
+          </a:p>
+          <a:p>
+            <a:endParaRPr lang="en-US" dirty="0"/>
+          </a:p>
+          <a:p>
+            <a:r>
+              <a:rPr lang="en-US" dirty="0"/>
               <a:t>By the last epoch, training accuracy was very high at 93.6%</a:t>
             </a:r>
           </a:p>
@@ -22122,6 +22193,16 @@
           <a:lstStyle/>
           <a:p>
             <a:r>
+              <a:rPr lang="en-US" dirty="0"/>
+              <a:t>Cori</a:t>
+            </a:r>
+          </a:p>
+          <a:p>
+            <a:endParaRPr lang="en-US" dirty="0"/>
+          </a:p>
+          <a:p>
+            <a:r>
+              <a:rPr dirty="0"/>
               <a:t>This line chart shows how accuracy improved over training. The validation accuracy stabilized near 78%.</a:t>
             </a:r>
           </a:p>
@@ -22192,6 +22273,16 @@
           <a:lstStyle/>
           <a:p>
             <a:r>
+              <a:rPr lang="en-US" dirty="0"/>
+              <a:t>Cori</a:t>
+            </a:r>
+          </a:p>
+          <a:p>
+            <a:endParaRPr lang="en-US" dirty="0"/>
+          </a:p>
+          <a:p>
+            <a:r>
+              <a:rPr dirty="0"/>
               <a:t>Predictions were saved to SQLite and exported to CSV for Tableau. This enabled deeper exploration of results and model performance.</a:t>
             </a:r>
           </a:p>
@@ -22285,6 +22376,15 @@
           <a:p>
             <a:r>
               <a:rPr lang="en-US" dirty="0"/>
+              <a:t>Cori</a:t>
+            </a:r>
+          </a:p>
+          <a:p>
+            <a:endParaRPr lang="en-US" dirty="0"/>
+          </a:p>
+          <a:p>
+            <a:r>
+              <a:rPr lang="en-US" dirty="0"/>
               <a:t>Multiple tables were created using the various factors used in the model.</a:t>
             </a:r>
           </a:p>
@@ -22348,6 +22448,16 @@
           <a:lstStyle/>
           <a:p>
             <a:r>
+              <a:rPr lang="en-US" dirty="0"/>
+              <a:t>Brandon</a:t>
+            </a:r>
+          </a:p>
+          <a:p>
+            <a:endParaRPr lang="en-US" dirty="0"/>
+          </a:p>
+          <a:p>
+            <a:r>
+              <a:rPr dirty="0"/>
               <a:t>This boxplot shows that patients with heart disease (target = 1) tend to be older on average than those without it. There is overlap, but the median age is visibly higher in the positive class.</a:t>
             </a:r>
           </a:p>
@@ -22418,6 +22528,16 @@
           <a:lstStyle/>
           <a:p>
             <a:r>
+              <a:rPr lang="en-US" dirty="0"/>
+              <a:t>Brandon</a:t>
+            </a:r>
+          </a:p>
+          <a:p>
+            <a:endParaRPr lang="en-US" dirty="0"/>
+          </a:p>
+          <a:p>
+            <a:r>
+              <a:rPr dirty="0"/>
               <a:t>This chart shows that males are more frequently represented in both classes, but particularly among those with heart disease. This is consistent with clinical trends.</a:t>
             </a:r>
           </a:p>
@@ -22486,6 +22606,15 @@
         <p:txBody>
           <a:bodyPr/>
           <a:lstStyle/>
+          <a:p>
+            <a:r>
+              <a:rPr lang="en-US" dirty="0"/>
+              <a:t>Brandon</a:t>
+            </a:r>
+          </a:p>
+          <a:p>
+            <a:endParaRPr lang="en-US" dirty="0"/>
+          </a:p>
           <a:p>
             <a:r>
               <a:rPr dirty="0"/>
@@ -22614,6 +22743,16 @@
           <a:lstStyle/>
           <a:p>
             <a:r>
+              <a:rPr lang="en-US" dirty="0"/>
+              <a:t>Brandon</a:t>
+            </a:r>
+          </a:p>
+          <a:p>
+            <a:endParaRPr lang="en-US" dirty="0"/>
+          </a:p>
+          <a:p>
+            <a:r>
+              <a:rPr dirty="0"/>
               <a:t>While there's not a huge difference, those with heart disease show a slightly higher spread in resting blood pressure values.</a:t>
             </a:r>
           </a:p>
@@ -22684,6 +22823,16 @@
           <a:lstStyle/>
           <a:p>
             <a:r>
+              <a:rPr lang="en-US" dirty="0"/>
+              <a:t>Andrea</a:t>
+            </a:r>
+          </a:p>
+          <a:p>
+            <a:endParaRPr lang="en-US" dirty="0"/>
+          </a:p>
+          <a:p>
+            <a:r>
+              <a:rPr dirty="0"/>
               <a:t>Interestingly, cholesterol levels don't show a very clear difference between the two groups. This suggests cholesterol alone may not be a strong predictor in this dataset.</a:t>
             </a:r>
           </a:p>
@@ -22752,6 +22901,15 @@
         <p:txBody>
           <a:bodyPr/>
           <a:lstStyle/>
+          <a:p>
+            <a:r>
+              <a:rPr lang="en-US" dirty="0"/>
+              <a:t>Sebastian</a:t>
+            </a:r>
+          </a:p>
+          <a:p>
+            <a:endParaRPr lang="en-US" dirty="0"/>
+          </a:p>
           <a:p>
             <a:r>
               <a:rPr lang="en-US" dirty="0"/>
@@ -22854,6 +23012,16 @@
           <a:lstStyle/>
           <a:p>
             <a:r>
+              <a:rPr lang="en-US" dirty="0"/>
+              <a:t>Andrea</a:t>
+            </a:r>
+          </a:p>
+          <a:p>
+            <a:endParaRPr lang="en-US" dirty="0"/>
+          </a:p>
+          <a:p>
+            <a:r>
+              <a:rPr dirty="0"/>
               <a:t>High fasting blood sugar (above 120 mg/dL) is slightly more common among patients with heart disease, though the effect isn't dramatic. It could be a contributing risk factor.</a:t>
             </a:r>
           </a:p>
@@ -22924,6 +23092,16 @@
           <a:lstStyle/>
           <a:p>
             <a:r>
+              <a:rPr lang="en-US" dirty="0"/>
+              <a:t>Andrea</a:t>
+            </a:r>
+          </a:p>
+          <a:p>
+            <a:endParaRPr lang="en-US" dirty="0"/>
+          </a:p>
+          <a:p>
+            <a:r>
+              <a:rPr dirty="0"/>
               <a:t>Abnormal EKG readings are more frequent in the heart disease group. This makes EKG a potentially helpful predictor.</a:t>
             </a:r>
           </a:p>
@@ -22994,6 +23172,16 @@
           <a:lstStyle/>
           <a:p>
             <a:r>
+              <a:rPr lang="en-US" dirty="0"/>
+              <a:t>Andrea</a:t>
+            </a:r>
+          </a:p>
+          <a:p>
+            <a:endParaRPr lang="en-US" dirty="0"/>
+          </a:p>
+          <a:p>
+            <a:r>
+              <a:rPr dirty="0"/>
               <a:t>Patients without heart disease tend to achieve higher maximum heart rates. Lower max heart rate during exercise could be a strong indicator of heart conditions.</a:t>
             </a:r>
           </a:p>
@@ -23062,6 +23250,15 @@
         <p:txBody>
           <a:bodyPr/>
           <a:lstStyle/>
+          <a:p>
+            <a:r>
+              <a:rPr lang="en-US" dirty="0"/>
+              <a:t>Andrea</a:t>
+            </a:r>
+          </a:p>
+          <a:p>
+            <a:endParaRPr lang="en-US" dirty="0"/>
+          </a:p>
           <a:p>
             <a:r>
               <a:rPr dirty="0"/>
@@ -23140,6 +23337,15 @@
           <a:lstStyle/>
           <a:p>
             <a:r>
+              <a:rPr lang="en-US" dirty="0"/>
+              <a:t>Andrea</a:t>
+            </a:r>
+          </a:p>
+          <a:p>
+            <a:endParaRPr lang="en-US" dirty="0"/>
+          </a:p>
+          <a:p>
+            <a:r>
               <a:rPr dirty="0"/>
               <a:t>Age and sex show clear influence on risk, while resting blood pressure shows minor variation.</a:t>
             </a:r>
@@ -23211,6 +23417,16 @@
           <a:lstStyle/>
           <a:p>
             <a:r>
+              <a:rPr lang="en-US" dirty="0"/>
+              <a:t>Andrea</a:t>
+            </a:r>
+          </a:p>
+          <a:p>
+            <a:endParaRPr lang="en-US" dirty="0"/>
+          </a:p>
+          <a:p>
+            <a:r>
+              <a:rPr dirty="0"/>
               <a:t>Chest pain type, EKG results, and max heart rate are strong predictors. Clear differences appear between the groups, highlighting these as critical features.</a:t>
             </a:r>
           </a:p>
@@ -23281,6 +23497,16 @@
           <a:lstStyle/>
           <a:p>
             <a:r>
+              <a:rPr lang="en-US" dirty="0"/>
+              <a:t>Andrea</a:t>
+            </a:r>
+          </a:p>
+          <a:p>
+            <a:endParaRPr lang="en-US" dirty="0"/>
+          </a:p>
+          <a:p>
+            <a:r>
+              <a:rPr dirty="0"/>
               <a:t>This slide includes cholesterol, fasting blood sugar, and exercise-induced angina. The last of these shows the strongest correlation with heart disease.</a:t>
             </a:r>
           </a:p>
@@ -23349,6 +23575,18 @@
         <p:txBody>
           <a:bodyPr/>
           <a:lstStyle/>
+          <a:p>
+            <a:r>
+              <a:rPr lang="en-US" dirty="0"/>
+              <a:t>Sebastian</a:t>
+            </a:r>
+          </a:p>
+          <a:p>
+            <a:endParaRPr lang="en-US" dirty="0"/>
+          </a:p>
+          <a:p>
+            <a:endParaRPr lang="en-US" dirty="0"/>
+          </a:p>
           <a:p>
             <a:r>
               <a:rPr lang="en-US" dirty="0"/>
@@ -23428,6 +23666,15 @@
         <p:txBody>
           <a:bodyPr/>
           <a:lstStyle/>
+          <a:p>
+            <a:r>
+              <a:rPr lang="en-US" dirty="0"/>
+              <a:t>Sebastian</a:t>
+            </a:r>
+          </a:p>
+          <a:p>
+            <a:endParaRPr lang="en-US" dirty="0"/>
+          </a:p>
           <a:p>
             <a:r>
               <a:rPr lang="en-US" dirty="0"/>
@@ -23525,6 +23772,15 @@
           <a:p>
             <a:r>
               <a:rPr lang="en-US" dirty="0"/>
+              <a:t>Sebastian</a:t>
+            </a:r>
+          </a:p>
+          <a:p>
+            <a:endParaRPr lang="en-US" dirty="0"/>
+          </a:p>
+          <a:p>
+            <a:r>
+              <a:rPr lang="en-US" dirty="0"/>
               <a:t>We used three models on our data logistic regression, random forest and neural network.</a:t>
             </a:r>
           </a:p>
@@ -23617,6 +23873,18 @@
         <p:txBody>
           <a:bodyPr/>
           <a:lstStyle/>
+          <a:p>
+            <a:r>
+              <a:rPr lang="en-US" dirty="0"/>
+              <a:t>Sebastian</a:t>
+            </a:r>
+          </a:p>
+          <a:p>
+            <a:endParaRPr lang="en-US" dirty="0"/>
+          </a:p>
+          <a:p>
+            <a:endParaRPr lang="en-US" dirty="0"/>
+          </a:p>
           <a:p>
             <a:r>
               <a:rPr lang="en-US" dirty="0"/>
@@ -23773,6 +24041,19 @@
           <a:lstStyle/>
           <a:p>
             <a:r>
+              <a:rPr lang="en-US" dirty="0"/>
+              <a:t>Sebastian</a:t>
+            </a:r>
+          </a:p>
+          <a:p>
+            <a:endParaRPr lang="en-US" dirty="0"/>
+          </a:p>
+          <a:p>
+            <a:endParaRPr lang="en-US" dirty="0"/>
+          </a:p>
+          <a:p>
+            <a:r>
+              <a:rPr dirty="0"/>
               <a:t>The confusion matrix shows strong agreement between predictions and actual labels, especially on true positives and negatives.</a:t>
             </a:r>
           </a:p>
@@ -23892,6 +24173,18 @@
         <p:txBody>
           <a:bodyPr/>
           <a:lstStyle/>
+          <a:p>
+            <a:r>
+              <a:rPr lang="en-US" dirty="0"/>
+              <a:t>Cori</a:t>
+            </a:r>
+          </a:p>
+          <a:p>
+            <a:endParaRPr lang="en-US" dirty="0"/>
+          </a:p>
+          <a:p>
+            <a:endParaRPr lang="en-US" dirty="0"/>
+          </a:p>
           <a:p>
             <a:r>
               <a:rPr lang="en-US" dirty="0"/>
@@ -24038,6 +24331,15 @@
         <p:txBody>
           <a:bodyPr/>
           <a:lstStyle/>
+          <a:p>
+            <a:r>
+              <a:rPr lang="en-US" dirty="0"/>
+              <a:t>Cori</a:t>
+            </a:r>
+          </a:p>
+          <a:p>
+            <a:endParaRPr lang="en-US" dirty="0"/>
+          </a:p>
           <a:p>
             <a:r>
               <a:rPr lang="en-US" dirty="0"/>
@@ -24238,7 +24540,7 @@
           <a:p>
             <a:fld id="{5BCAD085-E8A6-8845-BD4E-CB4CCA059FC4}" type="datetimeFigureOut">
               <a:rPr lang="en-US" smtClean="0"/>
-              <a:t>4/20/2025</a:t>
+              <a:t>4/21/2025</a:t>
             </a:fld>
             <a:endParaRPr lang="en-US"/>
           </a:p>
@@ -24406,7 +24708,7 @@
           <a:p>
             <a:fld id="{5BCAD085-E8A6-8845-BD4E-CB4CCA059FC4}" type="datetimeFigureOut">
               <a:rPr lang="en-US" smtClean="0"/>
-              <a:t>4/20/2025</a:t>
+              <a:t>4/21/2025</a:t>
             </a:fld>
             <a:endParaRPr lang="en-US"/>
           </a:p>
@@ -24584,7 +24886,7 @@
           <a:p>
             <a:fld id="{5BCAD085-E8A6-8845-BD4E-CB4CCA059FC4}" type="datetimeFigureOut">
               <a:rPr lang="en-US" smtClean="0"/>
-              <a:t>4/20/2025</a:t>
+              <a:t>4/21/2025</a:t>
             </a:fld>
             <a:endParaRPr lang="en-US"/>
           </a:p>
@@ -24752,7 +25054,7 @@
           <a:p>
             <a:fld id="{5BCAD085-E8A6-8845-BD4E-CB4CCA059FC4}" type="datetimeFigureOut">
               <a:rPr lang="en-US" smtClean="0"/>
-              <a:t>4/20/2025</a:t>
+              <a:t>4/21/2025</a:t>
             </a:fld>
             <a:endParaRPr lang="en-US"/>
           </a:p>
@@ -24997,7 +25299,7 @@
           <a:p>
             <a:fld id="{5BCAD085-E8A6-8845-BD4E-CB4CCA059FC4}" type="datetimeFigureOut">
               <a:rPr lang="en-US" smtClean="0"/>
-              <a:t>4/20/2025</a:t>
+              <a:t>4/21/2025</a:t>
             </a:fld>
             <a:endParaRPr lang="en-US"/>
           </a:p>
@@ -25282,7 +25584,7 @@
           <a:p>
             <a:fld id="{5BCAD085-E8A6-8845-BD4E-CB4CCA059FC4}" type="datetimeFigureOut">
               <a:rPr lang="en-US" smtClean="0"/>
-              <a:t>4/20/2025</a:t>
+              <a:t>4/21/2025</a:t>
             </a:fld>
             <a:endParaRPr lang="en-US"/>
           </a:p>
@@ -25701,7 +26003,7 @@
           <a:p>
             <a:fld id="{5BCAD085-E8A6-8845-BD4E-CB4CCA059FC4}" type="datetimeFigureOut">
               <a:rPr lang="en-US" smtClean="0"/>
-              <a:t>4/20/2025</a:t>
+              <a:t>4/21/2025</a:t>
             </a:fld>
             <a:endParaRPr lang="en-US"/>
           </a:p>
@@ -25818,7 +26120,7 @@
           <a:p>
             <a:fld id="{5BCAD085-E8A6-8845-BD4E-CB4CCA059FC4}" type="datetimeFigureOut">
               <a:rPr lang="en-US" smtClean="0"/>
-              <a:t>4/20/2025</a:t>
+              <a:t>4/21/2025</a:t>
             </a:fld>
             <a:endParaRPr lang="en-US"/>
           </a:p>
@@ -25913,7 +26215,7 @@
           <a:p>
             <a:fld id="{5BCAD085-E8A6-8845-BD4E-CB4CCA059FC4}" type="datetimeFigureOut">
               <a:rPr lang="en-US" smtClean="0"/>
-              <a:t>4/20/2025</a:t>
+              <a:t>4/21/2025</a:t>
             </a:fld>
             <a:endParaRPr lang="en-US"/>
           </a:p>
@@ -26188,7 +26490,7 @@
           <a:p>
             <a:fld id="{5BCAD085-E8A6-8845-BD4E-CB4CCA059FC4}" type="datetimeFigureOut">
               <a:rPr lang="en-US" smtClean="0"/>
-              <a:t>4/20/2025</a:t>
+              <a:t>4/21/2025</a:t>
             </a:fld>
             <a:endParaRPr lang="en-US"/>
           </a:p>
@@ -26440,7 +26742,7 @@
           <a:p>
             <a:fld id="{5BCAD085-E8A6-8845-BD4E-CB4CCA059FC4}" type="datetimeFigureOut">
               <a:rPr lang="en-US" smtClean="0"/>
-              <a:t>4/20/2025</a:t>
+              <a:t>4/21/2025</a:t>
             </a:fld>
             <a:endParaRPr lang="en-US"/>
           </a:p>
@@ -26651,7 +26953,7 @@
           <a:p>
             <a:fld id="{5BCAD085-E8A6-8845-BD4E-CB4CCA059FC4}" type="datetimeFigureOut">
               <a:rPr lang="en-US" smtClean="0"/>
-              <a:t>4/20/2025</a:t>
+              <a:t>4/21/2025</a:t>
             </a:fld>
             <a:endParaRPr lang="en-US"/>
           </a:p>
@@ -28996,6 +29298,193 @@
 <file path=ppt/slides/slide15.xml><?xml version="1.0" encoding="utf-8"?>
 <p:sld xmlns:a="http://schemas.openxmlformats.org/drawingml/2006/main" xmlns:r="http://schemas.openxmlformats.org/officeDocument/2006/relationships" xmlns:p="http://schemas.openxmlformats.org/presentationml/2006/main">
   <p:cSld>
+    <p:bg>
+      <p:bgPr>
+        <a:solidFill>
+          <a:schemeClr val="bg1"/>
+        </a:solidFill>
+        <a:effectLst/>
+      </p:bgPr>
+    </p:bg>
+    <p:spTree>
+      <p:nvGrpSpPr>
+        <p:cNvPr id="1" name=""/>
+        <p:cNvGrpSpPr/>
+        <p:nvPr/>
+      </p:nvGrpSpPr>
+      <p:grpSpPr>
+        <a:xfrm>
+          <a:off x="0" y="0"/>
+          <a:ext cx="0" cy="0"/>
+          <a:chOff x="0" y="0"/>
+          <a:chExt cx="0" cy="0"/>
+        </a:xfrm>
+      </p:grpSpPr>
+      <p:sp useBgFill="1">
+        <p:nvSpPr>
+          <p:cNvPr id="9" name="Slide Background">
+            <a:extLst>
+              <a:ext uri="{FF2B5EF4-FFF2-40B4-BE49-F238E27FC236}">
+                <a16:creationId xmlns:a16="http://schemas.microsoft.com/office/drawing/2014/main" id="{9F7D5CDA-D291-4307-BF55-1381FED29634}"/>
+              </a:ext>
+              <a:ext uri="{C183D7F6-B498-43B3-948B-1728B52AA6E4}">
+                <adec:decorative xmlns:adec="http://schemas.microsoft.com/office/drawing/2017/decorative" val="1"/>
+              </a:ext>
+            </a:extLst>
+          </p:cNvPr>
+          <p:cNvSpPr>
+            <a:spLocks noGrp="1" noRot="1" noChangeAspect="1" noMove="1" noResize="1" noEditPoints="1" noAdjustHandles="1" noChangeArrowheads="1" noChangeShapeType="1" noTextEdit="1"/>
+          </p:cNvSpPr>
+          <p:nvPr>
+            <p:extLst>
+              <p:ext uri="{386F3935-93C4-4BCD-93E2-E3B085C9AB24}">
+                <p16:designElem xmlns:p16="http://schemas.microsoft.com/office/powerpoint/2015/main" val="1"/>
+              </p:ext>
+            </p:extLst>
+          </p:nvPr>
+        </p:nvSpPr>
+        <p:spPr>
+          <a:xfrm>
+            <a:off x="0" y="0"/>
+            <a:ext cx="9144000" cy="6858000"/>
+          </a:xfrm>
+          <a:prstGeom prst="rect">
+            <a:avLst/>
+          </a:prstGeom>
+          <a:ln>
+            <a:noFill/>
+          </a:ln>
+        </p:spPr>
+        <p:style>
+          <a:lnRef idx="2">
+            <a:schemeClr val="accent1">
+              <a:shade val="50000"/>
+            </a:schemeClr>
+          </a:lnRef>
+          <a:fillRef idx="1">
+            <a:schemeClr val="accent1"/>
+          </a:fillRef>
+          <a:effectRef idx="0">
+            <a:schemeClr val="accent1"/>
+          </a:effectRef>
+          <a:fontRef idx="minor">
+            <a:schemeClr val="lt1"/>
+          </a:fontRef>
+        </p:style>
+        <p:txBody>
+          <a:bodyPr rtlCol="0" anchor="ctr"/>
+          <a:lstStyle/>
+          <a:p>
+            <a:pPr algn="ctr"/>
+            <a:endParaRPr lang="en-US"/>
+          </a:p>
+        </p:txBody>
+      </p:sp>
+      <p:sp>
+        <p:nvSpPr>
+          <p:cNvPr id="3" name="Content Placeholder 2">
+            <a:extLst>
+              <a:ext uri="{FF2B5EF4-FFF2-40B4-BE49-F238E27FC236}">
+                <a16:creationId xmlns:a16="http://schemas.microsoft.com/office/drawing/2014/main" id="{7F5D5105-40CB-D0A3-CA6A-DE660104E066}"/>
+              </a:ext>
+            </a:extLst>
+          </p:cNvPr>
+          <p:cNvSpPr>
+            <a:spLocks noGrp="1"/>
+          </p:cNvSpPr>
+          <p:nvPr>
+            <p:ph idx="1"/>
+          </p:nvPr>
+        </p:nvSpPr>
+        <p:spPr>
+          <a:xfrm>
+            <a:off x="124692" y="571500"/>
+            <a:ext cx="4447306" cy="5668579"/>
+          </a:xfrm>
+        </p:spPr>
+        <p:txBody>
+          <a:bodyPr anchor="ctr">
+            <a:normAutofit/>
+          </a:bodyPr>
+          <a:lstStyle/>
+          <a:p>
+            <a:pPr marL="0" indent="0">
+              <a:buNone/>
+            </a:pPr>
+            <a:r>
+              <a:rPr lang="en-US" sz="2000" dirty="0"/>
+              <a:t>After running our code, we were able to look at each feature and determine whether it was a good predictor of heart disease.</a:t>
+            </a:r>
+          </a:p>
+          <a:p>
+            <a:pPr marL="0" indent="0">
+              <a:buNone/>
+            </a:pPr>
+            <a:endParaRPr lang="en-US" sz="2000" dirty="0"/>
+          </a:p>
+          <a:p>
+            <a:pPr marL="0" indent="0">
+              <a:buNone/>
+            </a:pPr>
+            <a:r>
+              <a:rPr lang="en-US" sz="2000" dirty="0"/>
+              <a:t>We will go through some of those with charts to share the outcome.</a:t>
+            </a:r>
+          </a:p>
+        </p:txBody>
+      </p:sp>
+      <p:pic>
+        <p:nvPicPr>
+          <p:cNvPr id="5" name="Picture 4" descr="A picture of an electromagnetic radiation">
+            <a:extLst>
+              <a:ext uri="{FF2B5EF4-FFF2-40B4-BE49-F238E27FC236}">
+                <a16:creationId xmlns:a16="http://schemas.microsoft.com/office/drawing/2014/main" id="{BDD08D61-3FAA-46C3-9864-404455E29C02}"/>
+              </a:ext>
+            </a:extLst>
+          </p:cNvPr>
+          <p:cNvPicPr>
+            <a:picLocks noChangeAspect="1"/>
+          </p:cNvPicPr>
+          <p:nvPr/>
+        </p:nvPicPr>
+        <p:blipFill>
+          <a:blip r:embed="rId2"/>
+          <a:srcRect l="31045" r="29932" b="-1"/>
+          <a:stretch/>
+        </p:blipFill>
+        <p:spPr>
+          <a:xfrm>
+            <a:off x="5143347" y="-10886"/>
+            <a:ext cx="4000653" cy="6868886"/>
+          </a:xfrm>
+          <a:prstGeom prst="rect">
+            <a:avLst/>
+          </a:prstGeom>
+          <a:effectLst>
+            <a:outerShdw blurRad="127000" dist="50800" dir="10800000" sx="99000" sy="99000" algn="r" rotWithShape="0">
+              <a:prstClr val="black">
+                <a:alpha val="40000"/>
+              </a:prstClr>
+            </a:outerShdw>
+          </a:effectLst>
+        </p:spPr>
+      </p:pic>
+    </p:spTree>
+    <p:extLst>
+      <p:ext uri="{BB962C8B-B14F-4D97-AF65-F5344CB8AC3E}">
+        <p14:creationId xmlns:p14="http://schemas.microsoft.com/office/powerpoint/2010/main" val="3240978141"/>
+      </p:ext>
+    </p:extLst>
+  </p:cSld>
+  <p:clrMapOvr>
+    <a:masterClrMapping/>
+  </p:clrMapOvr>
+</p:sld>
+</file>
+
+<file path=ppt/slides/slide16.xml><?xml version="1.0" encoding="utf-8"?>
+<p:sld xmlns:a="http://schemas.openxmlformats.org/drawingml/2006/main" xmlns:r="http://schemas.openxmlformats.org/officeDocument/2006/relationships" xmlns:p="http://schemas.openxmlformats.org/presentationml/2006/main">
+  <p:cSld>
     <p:spTree>
       <p:nvGrpSpPr>
         <p:cNvPr id="1" name=""/>
@@ -29138,7 +29627,7 @@
 </p:sld>
 </file>
 
-<file path=ppt/slides/slide16.xml><?xml version="1.0" encoding="utf-8"?>
+<file path=ppt/slides/slide17.xml><?xml version="1.0" encoding="utf-8"?>
 <p:sld xmlns:a="http://schemas.openxmlformats.org/drawingml/2006/main" xmlns:r="http://schemas.openxmlformats.org/officeDocument/2006/relationships" xmlns:p="http://schemas.openxmlformats.org/presentationml/2006/main">
   <p:cSld>
     <p:spTree>
@@ -29549,7 +30038,7 @@
 </p:sld>
 </file>
 
-<file path=ppt/slides/slide17.xml><?xml version="1.0" encoding="utf-8"?>
+<file path=ppt/slides/slide18.xml><?xml version="1.0" encoding="utf-8"?>
 <p:sld xmlns:a="http://schemas.openxmlformats.org/drawingml/2006/main" xmlns:r="http://schemas.openxmlformats.org/officeDocument/2006/relationships" xmlns:p="http://schemas.openxmlformats.org/presentationml/2006/main">
   <p:cSld>
     <p:spTree>
@@ -30122,7 +30611,7 @@
 </p:sld>
 </file>
 
-<file path=ppt/slides/slide18.xml><?xml version="1.0" encoding="utf-8"?>
+<file path=ppt/slides/slide19.xml><?xml version="1.0" encoding="utf-8"?>
 <p:sld xmlns:a="http://schemas.openxmlformats.org/drawingml/2006/main" xmlns:r="http://schemas.openxmlformats.org/officeDocument/2006/relationships" xmlns:p="http://schemas.openxmlformats.org/presentationml/2006/main">
   <p:cSld>
     <p:spTree>
@@ -30227,151 +30716,6 @@
             <a:extLst>
               <a:ext uri="{FF2B5EF4-FFF2-40B4-BE49-F238E27FC236}">
                 <a16:creationId xmlns:a16="http://schemas.microsoft.com/office/drawing/2014/main" id="{3595CD94-4D8F-3398-E0F4-F40996328687}"/>
-              </a:ext>
-            </a:extLst>
-          </p:cNvPr>
-          <p:cNvSpPr txBox="1"/>
-          <p:nvPr/>
-        </p:nvSpPr>
-        <p:spPr>
-          <a:xfrm>
-            <a:off x="5750714" y="4973584"/>
-            <a:ext cx="1421607" cy="369332"/>
-          </a:xfrm>
-          <a:prstGeom prst="rect">
-            <a:avLst/>
-          </a:prstGeom>
-          <a:solidFill>
-            <a:schemeClr val="bg1"/>
-          </a:solidFill>
-        </p:spPr>
-        <p:txBody>
-          <a:bodyPr wrap="square" rtlCol="0">
-            <a:spAutoFit/>
-          </a:bodyPr>
-          <a:lstStyle/>
-          <a:p>
-            <a:pPr algn="ctr"/>
-            <a:r>
-              <a:rPr lang="en-US" dirty="0"/>
-              <a:t>Disease</a:t>
-            </a:r>
-          </a:p>
-        </p:txBody>
-      </p:sp>
-    </p:spTree>
-  </p:cSld>
-  <p:clrMapOvr>
-    <a:masterClrMapping/>
-  </p:clrMapOvr>
-</p:sld>
-</file>
-
-<file path=ppt/slides/slide19.xml><?xml version="1.0" encoding="utf-8"?>
-<p:sld xmlns:a="http://schemas.openxmlformats.org/drawingml/2006/main" xmlns:r="http://schemas.openxmlformats.org/officeDocument/2006/relationships" xmlns:p="http://schemas.openxmlformats.org/presentationml/2006/main">
-  <p:cSld>
-    <p:spTree>
-      <p:nvGrpSpPr>
-        <p:cNvPr id="1" name=""/>
-        <p:cNvGrpSpPr/>
-        <p:nvPr/>
-      </p:nvGrpSpPr>
-      <p:grpSpPr>
-        <a:xfrm>
-          <a:off x="0" y="0"/>
-          <a:ext cx="0" cy="0"/>
-          <a:chOff x="0" y="0"/>
-          <a:chExt cx="0" cy="0"/>
-        </a:xfrm>
-      </p:grpSpPr>
-      <p:sp>
-        <p:nvSpPr>
-          <p:cNvPr id="2" name="Title 1"/>
-          <p:cNvSpPr>
-            <a:spLocks noGrp="1"/>
-          </p:cNvSpPr>
-          <p:nvPr>
-            <p:ph type="title"/>
-          </p:nvPr>
-        </p:nvSpPr>
-        <p:spPr/>
-        <p:txBody>
-          <a:bodyPr/>
-          <a:lstStyle/>
-          <a:p>
-            <a:r>
-              <a:t>Cholesterol vs Target</a:t>
-            </a:r>
-          </a:p>
-        </p:txBody>
-      </p:sp>
-      <p:pic>
-        <p:nvPicPr>
-          <p:cNvPr id="3" name="Picture 2" descr="cholesterol_vs_target.png"/>
-          <p:cNvPicPr>
-            <a:picLocks noChangeAspect="1"/>
-          </p:cNvPicPr>
-          <p:nvPr/>
-        </p:nvPicPr>
-        <p:blipFill>
-          <a:blip r:embed="rId3"/>
-          <a:stretch>
-            <a:fillRect/>
-          </a:stretch>
-        </p:blipFill>
-        <p:spPr>
-          <a:xfrm>
-            <a:off x="914400" y="1371600"/>
-            <a:ext cx="7315200" cy="4180114"/>
-          </a:xfrm>
-          <a:prstGeom prst="rect">
-            <a:avLst/>
-          </a:prstGeom>
-        </p:spPr>
-      </p:pic>
-      <p:sp>
-        <p:nvSpPr>
-          <p:cNvPr id="4" name="TextBox 3">
-            <a:extLst>
-              <a:ext uri="{FF2B5EF4-FFF2-40B4-BE49-F238E27FC236}">
-                <a16:creationId xmlns:a16="http://schemas.microsoft.com/office/drawing/2014/main" id="{6AED8A7F-FEEF-335F-D04F-D68727140E18}"/>
-              </a:ext>
-            </a:extLst>
-          </p:cNvPr>
-          <p:cNvSpPr txBox="1"/>
-          <p:nvPr/>
-        </p:nvSpPr>
-        <p:spPr>
-          <a:xfrm>
-            <a:off x="2643187" y="4966437"/>
-            <a:ext cx="1421607" cy="369332"/>
-          </a:xfrm>
-          <a:prstGeom prst="rect">
-            <a:avLst/>
-          </a:prstGeom>
-          <a:solidFill>
-            <a:schemeClr val="bg1"/>
-          </a:solidFill>
-        </p:spPr>
-        <p:txBody>
-          <a:bodyPr wrap="square" rtlCol="0">
-            <a:spAutoFit/>
-          </a:bodyPr>
-          <a:lstStyle/>
-          <a:p>
-            <a:r>
-              <a:rPr lang="en-US" dirty="0"/>
-              <a:t>No Disease</a:t>
-            </a:r>
-          </a:p>
-        </p:txBody>
-      </p:sp>
-      <p:sp>
-        <p:nvSpPr>
-          <p:cNvPr id="5" name="TextBox 4">
-            <a:extLst>
-              <a:ext uri="{FF2B5EF4-FFF2-40B4-BE49-F238E27FC236}">
-                <a16:creationId xmlns:a16="http://schemas.microsoft.com/office/drawing/2014/main" id="{F499E9A2-B165-A404-3B8C-6EEC1C392E51}"/>
               </a:ext>
             </a:extLst>
           </p:cNvPr>
@@ -30720,6 +31064,151 @@
           <a:lstStyle/>
           <a:p>
             <a:r>
+              <a:t>Cholesterol vs Target</a:t>
+            </a:r>
+          </a:p>
+        </p:txBody>
+      </p:sp>
+      <p:pic>
+        <p:nvPicPr>
+          <p:cNvPr id="3" name="Picture 2" descr="cholesterol_vs_target.png"/>
+          <p:cNvPicPr>
+            <a:picLocks noChangeAspect="1"/>
+          </p:cNvPicPr>
+          <p:nvPr/>
+        </p:nvPicPr>
+        <p:blipFill>
+          <a:blip r:embed="rId3"/>
+          <a:stretch>
+            <a:fillRect/>
+          </a:stretch>
+        </p:blipFill>
+        <p:spPr>
+          <a:xfrm>
+            <a:off x="914400" y="1371600"/>
+            <a:ext cx="7315200" cy="4180114"/>
+          </a:xfrm>
+          <a:prstGeom prst="rect">
+            <a:avLst/>
+          </a:prstGeom>
+        </p:spPr>
+      </p:pic>
+      <p:sp>
+        <p:nvSpPr>
+          <p:cNvPr id="4" name="TextBox 3">
+            <a:extLst>
+              <a:ext uri="{FF2B5EF4-FFF2-40B4-BE49-F238E27FC236}">
+                <a16:creationId xmlns:a16="http://schemas.microsoft.com/office/drawing/2014/main" id="{6AED8A7F-FEEF-335F-D04F-D68727140E18}"/>
+              </a:ext>
+            </a:extLst>
+          </p:cNvPr>
+          <p:cNvSpPr txBox="1"/>
+          <p:nvPr/>
+        </p:nvSpPr>
+        <p:spPr>
+          <a:xfrm>
+            <a:off x="2643187" y="4966437"/>
+            <a:ext cx="1421607" cy="369332"/>
+          </a:xfrm>
+          <a:prstGeom prst="rect">
+            <a:avLst/>
+          </a:prstGeom>
+          <a:solidFill>
+            <a:schemeClr val="bg1"/>
+          </a:solidFill>
+        </p:spPr>
+        <p:txBody>
+          <a:bodyPr wrap="square" rtlCol="0">
+            <a:spAutoFit/>
+          </a:bodyPr>
+          <a:lstStyle/>
+          <a:p>
+            <a:r>
+              <a:rPr lang="en-US" dirty="0"/>
+              <a:t>No Disease</a:t>
+            </a:r>
+          </a:p>
+        </p:txBody>
+      </p:sp>
+      <p:sp>
+        <p:nvSpPr>
+          <p:cNvPr id="5" name="TextBox 4">
+            <a:extLst>
+              <a:ext uri="{FF2B5EF4-FFF2-40B4-BE49-F238E27FC236}">
+                <a16:creationId xmlns:a16="http://schemas.microsoft.com/office/drawing/2014/main" id="{F499E9A2-B165-A404-3B8C-6EEC1C392E51}"/>
+              </a:ext>
+            </a:extLst>
+          </p:cNvPr>
+          <p:cNvSpPr txBox="1"/>
+          <p:nvPr/>
+        </p:nvSpPr>
+        <p:spPr>
+          <a:xfrm>
+            <a:off x="5750714" y="4973584"/>
+            <a:ext cx="1421607" cy="369332"/>
+          </a:xfrm>
+          <a:prstGeom prst="rect">
+            <a:avLst/>
+          </a:prstGeom>
+          <a:solidFill>
+            <a:schemeClr val="bg1"/>
+          </a:solidFill>
+        </p:spPr>
+        <p:txBody>
+          <a:bodyPr wrap="square" rtlCol="0">
+            <a:spAutoFit/>
+          </a:bodyPr>
+          <a:lstStyle/>
+          <a:p>
+            <a:pPr algn="ctr"/>
+            <a:r>
+              <a:rPr lang="en-US" dirty="0"/>
+              <a:t>Disease</a:t>
+            </a:r>
+          </a:p>
+        </p:txBody>
+      </p:sp>
+    </p:spTree>
+  </p:cSld>
+  <p:clrMapOvr>
+    <a:masterClrMapping/>
+  </p:clrMapOvr>
+</p:sld>
+</file>
+
+<file path=ppt/slides/slide21.xml><?xml version="1.0" encoding="utf-8"?>
+<p:sld xmlns:a="http://schemas.openxmlformats.org/drawingml/2006/main" xmlns:r="http://schemas.openxmlformats.org/officeDocument/2006/relationships" xmlns:p="http://schemas.openxmlformats.org/presentationml/2006/main">
+  <p:cSld>
+    <p:spTree>
+      <p:nvGrpSpPr>
+        <p:cNvPr id="1" name=""/>
+        <p:cNvGrpSpPr/>
+        <p:nvPr/>
+      </p:nvGrpSpPr>
+      <p:grpSpPr>
+        <a:xfrm>
+          <a:off x="0" y="0"/>
+          <a:ext cx="0" cy="0"/>
+          <a:chOff x="0" y="0"/>
+          <a:chExt cx="0" cy="0"/>
+        </a:xfrm>
+      </p:grpSpPr>
+      <p:sp>
+        <p:nvSpPr>
+          <p:cNvPr id="2" name="Title 1"/>
+          <p:cNvSpPr>
+            <a:spLocks noGrp="1"/>
+          </p:cNvSpPr>
+          <p:nvPr>
+            <p:ph type="title"/>
+          </p:nvPr>
+        </p:nvSpPr>
+        <p:spPr/>
+        <p:txBody>
+          <a:bodyPr/>
+          <a:lstStyle/>
+          <a:p>
+            <a:r>
               <a:t>Fasting Blood Sugar vs Target</a:t>
             </a:r>
           </a:p>
@@ -31013,7 +31502,7 @@
 </p:sld>
 </file>
 
-<file path=ppt/slides/slide21.xml><?xml version="1.0" encoding="utf-8"?>
+<file path=ppt/slides/slide22.xml><?xml version="1.0" encoding="utf-8"?>
 <p:sld xmlns:a="http://schemas.openxmlformats.org/drawingml/2006/main" xmlns:r="http://schemas.openxmlformats.org/officeDocument/2006/relationships" xmlns:p="http://schemas.openxmlformats.org/presentationml/2006/main">
   <p:cSld>
     <p:spTree>
@@ -31460,7 +31949,7 @@
 </p:sld>
 </file>
 
-<file path=ppt/slides/slide22.xml><?xml version="1.0" encoding="utf-8"?>
+<file path=ppt/slides/slide23.xml><?xml version="1.0" encoding="utf-8"?>
 <p:sld xmlns:a="http://schemas.openxmlformats.org/drawingml/2006/main" xmlns:r="http://schemas.openxmlformats.org/officeDocument/2006/relationships" xmlns:p="http://schemas.openxmlformats.org/presentationml/2006/main">
   <p:cSld>
     <p:spTree>
@@ -31605,7 +32094,7 @@
 </p:sld>
 </file>
 
-<file path=ppt/slides/slide23.xml><?xml version="1.0" encoding="utf-8"?>
+<file path=ppt/slides/slide24.xml><?xml version="1.0" encoding="utf-8"?>
 <p:sld xmlns:a="http://schemas.openxmlformats.org/drawingml/2006/main" xmlns:r="http://schemas.openxmlformats.org/officeDocument/2006/relationships" xmlns:p="http://schemas.openxmlformats.org/presentationml/2006/main">
   <p:cSld>
     <p:spTree>
@@ -31893,7 +32382,7 @@
 </p:sld>
 </file>
 
-<file path=ppt/slides/slide24.xml><?xml version="1.0" encoding="utf-8"?>
+<file path=ppt/slides/slide25.xml><?xml version="1.0" encoding="utf-8"?>
 <p:sld xmlns:a="http://schemas.openxmlformats.org/drawingml/2006/main" xmlns:r="http://schemas.openxmlformats.org/officeDocument/2006/relationships" xmlns:p="http://schemas.openxmlformats.org/presentationml/2006/main">
   <p:cSld>
     <p:bg>
@@ -33728,7 +34217,7 @@
 </p:sld>
 </file>
 
-<file path=ppt/slides/slide25.xml><?xml version="1.0" encoding="utf-8"?>
+<file path=ppt/slides/slide26.xml><?xml version="1.0" encoding="utf-8"?>
 <p:sld xmlns:a="http://schemas.openxmlformats.org/drawingml/2006/main" xmlns:r="http://schemas.openxmlformats.org/officeDocument/2006/relationships" xmlns:p="http://schemas.openxmlformats.org/presentationml/2006/main">
   <p:cSld>
     <p:bg>
@@ -34366,7 +34855,7 @@
 </p:sld>
 </file>
 
-<file path=ppt/slides/slide26.xml><?xml version="1.0" encoding="utf-8"?>
+<file path=ppt/slides/slide27.xml><?xml version="1.0" encoding="utf-8"?>
 <p:sld xmlns:a="http://schemas.openxmlformats.org/drawingml/2006/main" xmlns:r="http://schemas.openxmlformats.org/officeDocument/2006/relationships" xmlns:p="http://schemas.openxmlformats.org/presentationml/2006/main">
   <p:cSld>
     <p:bg>
@@ -37469,7 +37958,7 @@
                                     <p:cond delay="0"/>
                                   </p:stCondLst>
                                   <p:childTnLst>
-                                    <p:animMotion origin="layout" path="M 1.11022E-16 4.81481E-6 L 1.11022E-16 0.05462 " pathEditMode="relative" rAng="0" ptsTypes="AA">
+                                    <p:animMotion origin="layout" path="M -4.72222E-6 -3.7037E-7 L 1.11022E-16 0.05462 " pathEditMode="relative" rAng="0" ptsTypes="AA">
                                       <p:cBhvr>
                                         <p:cTn id="11" dur="2000" fill="hold"/>
                                         <p:tgtEl>
@@ -37480,7 +37969,7 @@
                                           <p:attrName>ppt_y</p:attrName>
                                         </p:attrNameLst>
                                       </p:cBhvr>
-                                      <p:rCtr x="0" y="2731"/>
+                                      <p:rCtr x="52" y="3148"/>
                                     </p:animMotion>
                                   </p:childTnLst>
                                 </p:cTn>
@@ -37509,7 +37998,7 @@
                                     <p:cond delay="0"/>
                                   </p:stCondLst>
                                   <p:childTnLst>
-                                    <p:animMotion origin="layout" path="M 1.11022E-16 0.05462 L 0.00017 0.12847 " pathEditMode="relative" rAng="0" ptsTypes="AA">
+                                    <p:animMotion origin="layout" path="M -4.72222E-6 0.05463 L 0.0125 0.11666 " pathEditMode="relative" rAng="0" ptsTypes="AA">
                                       <p:cBhvr>
                                         <p:cTn id="15" dur="2000" fill="hold"/>
                                         <p:tgtEl>
@@ -37520,7 +38009,7 @@
                                           <p:attrName>ppt_y</p:attrName>
                                         </p:attrNameLst>
                                       </p:cBhvr>
-                                      <p:rCtr x="0" y="3681"/>
+                                      <p:rCtr x="677" y="3009"/>
                                     </p:animMotion>
                                   </p:childTnLst>
                                 </p:cTn>

--- a/Heart_Disease_Model_Presentation.pptx
+++ b/Heart_Disease_Model_Presentation.pptx
@@ -155,7 +155,7 @@
 <file path=ppt/revisionInfo.xml><?xml version="1.0" encoding="utf-8"?>
 <p1510:revInfo xmlns:a="http://schemas.openxmlformats.org/drawingml/2006/main" xmlns:r="http://schemas.openxmlformats.org/officeDocument/2006/relationships" xmlns:p1510="http://schemas.microsoft.com/office/powerpoint/2015/10/main">
   <p1510:revLst>
-    <p1510:client id="{C4827902-F3BB-44F7-AFAD-CFCA99A28693}" v="93" dt="2025-04-21T23:13:16.691"/>
+    <p1510:client id="{C4827902-F3BB-44F7-AFAD-CFCA99A28693}" v="94" dt="2025-04-22T00:20:39.931"/>
   </p1510:revLst>
 </p1510:revInfo>
 </file>
@@ -165,7 +165,7 @@
   <pc:docChgLst>
     <pc:chgData name="Andrea Hazzard" userId="f8d997080a0a13a9" providerId="LiveId" clId="{C4827902-F3BB-44F7-AFAD-CFCA99A28693}"/>
     <pc:docChg chg="undo custSel addSld delSld modSld sldOrd">
-      <pc:chgData name="Andrea Hazzard" userId="f8d997080a0a13a9" providerId="LiveId" clId="{C4827902-F3BB-44F7-AFAD-CFCA99A28693}" dt="2025-04-21T23:13:16.691" v="6413"/>
+      <pc:chgData name="Andrea Hazzard" userId="f8d997080a0a13a9" providerId="LiveId" clId="{C4827902-F3BB-44F7-AFAD-CFCA99A28693}" dt="2025-04-22T00:25:43.040" v="6739" actId="6549"/>
       <pc:docMkLst>
         <pc:docMk/>
       </pc:docMkLst>
@@ -213,7 +213,7 @@
         </pc:graphicFrameChg>
       </pc:sldChg>
       <pc:sldChg chg="ord modNotesTx">
-        <pc:chgData name="Andrea Hazzard" userId="f8d997080a0a13a9" providerId="LiveId" clId="{C4827902-F3BB-44F7-AFAD-CFCA99A28693}" dt="2025-04-21T22:51:11.888" v="6053" actId="20577"/>
+        <pc:chgData name="Andrea Hazzard" userId="f8d997080a0a13a9" providerId="LiveId" clId="{C4827902-F3BB-44F7-AFAD-CFCA99A28693}" dt="2025-04-21T23:26:06.255" v="6427" actId="20577"/>
         <pc:sldMkLst>
           <pc:docMk/>
           <pc:sldMk cId="0" sldId="261"/>
@@ -397,13 +397,13 @@
         </pc:picChg>
       </pc:sldChg>
       <pc:sldChg chg="addSp modSp mod modNotesTx">
-        <pc:chgData name="Andrea Hazzard" userId="f8d997080a0a13a9" providerId="LiveId" clId="{C4827902-F3BB-44F7-AFAD-CFCA99A28693}" dt="2025-04-21T22:51:41.852" v="6086" actId="20577"/>
+        <pc:chgData name="Andrea Hazzard" userId="f8d997080a0a13a9" providerId="LiveId" clId="{C4827902-F3BB-44F7-AFAD-CFCA99A28693}" dt="2025-04-22T00:25:43.040" v="6739" actId="6549"/>
         <pc:sldMkLst>
           <pc:docMk/>
           <pc:sldMk cId="0" sldId="270"/>
         </pc:sldMkLst>
         <pc:spChg chg="add mod">
-          <ac:chgData name="Andrea Hazzard" userId="f8d997080a0a13a9" providerId="LiveId" clId="{C4827902-F3BB-44F7-AFAD-CFCA99A28693}" dt="2025-04-17T22:10:28.488" v="338" actId="1076"/>
+          <ac:chgData name="Andrea Hazzard" userId="f8d997080a0a13a9" providerId="LiveId" clId="{C4827902-F3BB-44F7-AFAD-CFCA99A28693}" dt="2025-04-22T00:15:34.667" v="6515" actId="1036"/>
           <ac:spMkLst>
             <pc:docMk/>
             <pc:sldMk cId="0" sldId="270"/>
@@ -411,7 +411,7 @@
           </ac:spMkLst>
         </pc:spChg>
         <pc:spChg chg="add mod">
-          <ac:chgData name="Andrea Hazzard" userId="f8d997080a0a13a9" providerId="LiveId" clId="{C4827902-F3BB-44F7-AFAD-CFCA99A28693}" dt="2025-04-17T22:12:01.895" v="345" actId="1076"/>
+          <ac:chgData name="Andrea Hazzard" userId="f8d997080a0a13a9" providerId="LiveId" clId="{C4827902-F3BB-44F7-AFAD-CFCA99A28693}" dt="2025-04-22T00:15:35.275" v="6516" actId="1036"/>
           <ac:spMkLst>
             <pc:docMk/>
             <pc:sldMk cId="0" sldId="270"/>
@@ -419,7 +419,7 @@
           </ac:spMkLst>
         </pc:spChg>
         <pc:spChg chg="add mod">
-          <ac:chgData name="Andrea Hazzard" userId="f8d997080a0a13a9" providerId="LiveId" clId="{C4827902-F3BB-44F7-AFAD-CFCA99A28693}" dt="2025-04-17T22:12:30.951" v="362" actId="20577"/>
+          <ac:chgData name="Andrea Hazzard" userId="f8d997080a0a13a9" providerId="LiveId" clId="{C4827902-F3BB-44F7-AFAD-CFCA99A28693}" dt="2025-04-22T00:15:35.885" v="6517" actId="1036"/>
           <ac:spMkLst>
             <pc:docMk/>
             <pc:sldMk cId="0" sldId="270"/>
@@ -427,7 +427,7 @@
           </ac:spMkLst>
         </pc:spChg>
         <pc:spChg chg="add mod">
-          <ac:chgData name="Andrea Hazzard" userId="f8d997080a0a13a9" providerId="LiveId" clId="{C4827902-F3BB-44F7-AFAD-CFCA99A28693}" dt="2025-04-17T22:12:55.479" v="382" actId="20577"/>
+          <ac:chgData name="Andrea Hazzard" userId="f8d997080a0a13a9" providerId="LiveId" clId="{C4827902-F3BB-44F7-AFAD-CFCA99A28693}" dt="2025-04-22T00:15:36.459" v="6518" actId="1036"/>
           <ac:spMkLst>
             <pc:docMk/>
             <pc:sldMk cId="0" sldId="270"/>
@@ -435,7 +435,7 @@
           </ac:spMkLst>
         </pc:spChg>
         <pc:spChg chg="add mod">
-          <ac:chgData name="Andrea Hazzard" userId="f8d997080a0a13a9" providerId="LiveId" clId="{C4827902-F3BB-44F7-AFAD-CFCA99A28693}" dt="2025-04-17T22:14:14.106" v="417" actId="1038"/>
+          <ac:chgData name="Andrea Hazzard" userId="f8d997080a0a13a9" providerId="LiveId" clId="{C4827902-F3BB-44F7-AFAD-CFCA99A28693}" dt="2025-04-22T00:15:34.135" v="6514" actId="1076"/>
           <ac:spMkLst>
             <pc:docMk/>
             <pc:sldMk cId="0" sldId="270"/>
@@ -1155,14 +1155,6 @@
             <ac:spMk id="2" creationId="{8EE18162-764F-5A2E-11FF-CF4A75FE1C7E}"/>
           </ac:spMkLst>
         </pc:spChg>
-        <pc:spChg chg="del">
-          <ac:chgData name="Andrea Hazzard" userId="f8d997080a0a13a9" providerId="LiveId" clId="{C4827902-F3BB-44F7-AFAD-CFCA99A28693}" dt="2025-04-20T23:18:49.420" v="2634"/>
-          <ac:spMkLst>
-            <pc:docMk/>
-            <pc:sldMk cId="110132295" sldId="285"/>
-            <ac:spMk id="3" creationId="{389BCA87-971B-0106-AA79-455A46379994}"/>
-          </ac:spMkLst>
-        </pc:spChg>
         <pc:spChg chg="add">
           <ac:chgData name="Andrea Hazzard" userId="f8d997080a0a13a9" providerId="LiveId" clId="{C4827902-F3BB-44F7-AFAD-CFCA99A28693}" dt="2025-04-20T23:19:43.562" v="2677" actId="26606"/>
           <ac:spMkLst>
@@ -1192,14 +1184,6 @@
             <pc:docMk/>
             <pc:sldMk cId="1597439251" sldId="286"/>
             <ac:spMk id="2" creationId="{13BC1F5F-9850-D2CC-A0AC-9772407C00EE}"/>
-          </ac:spMkLst>
-        </pc:spChg>
-        <pc:spChg chg="del mod">
-          <ac:chgData name="Andrea Hazzard" userId="f8d997080a0a13a9" providerId="LiveId" clId="{C4827902-F3BB-44F7-AFAD-CFCA99A28693}" dt="2025-04-20T23:41:13.138" v="2745" actId="26606"/>
-          <ac:spMkLst>
-            <pc:docMk/>
-            <pc:sldMk cId="1597439251" sldId="286"/>
-            <ac:spMk id="3" creationId="{DC1B286A-A754-263A-D53E-4D1359686B48}"/>
           </ac:spMkLst>
         </pc:spChg>
         <pc:spChg chg="add">
@@ -1273,22 +1257,6 @@
             <ac:spMk id="2" creationId="{EE244C87-3D7E-8DC2-EF08-96DA148B51D9}"/>
           </ac:spMkLst>
         </pc:spChg>
-        <pc:spChg chg="del">
-          <ac:chgData name="Andrea Hazzard" userId="f8d997080a0a13a9" providerId="LiveId" clId="{C4827902-F3BB-44F7-AFAD-CFCA99A28693}" dt="2025-04-20T23:43:15.292" v="2778" actId="478"/>
-          <ac:spMkLst>
-            <pc:docMk/>
-            <pc:sldMk cId="2797517382" sldId="287"/>
-            <ac:spMk id="3" creationId="{DBEFF6A9-B343-0BBF-35DF-10C4B7AB24C2}"/>
-          </ac:spMkLst>
-        </pc:spChg>
-        <pc:spChg chg="add del mod">
-          <ac:chgData name="Andrea Hazzard" userId="f8d997080a0a13a9" providerId="LiveId" clId="{C4827902-F3BB-44F7-AFAD-CFCA99A28693}" dt="2025-04-20T23:56:41.929" v="3890" actId="21"/>
-          <ac:spMkLst>
-            <pc:docMk/>
-            <pc:sldMk cId="2797517382" sldId="287"/>
-            <ac:spMk id="8" creationId="{EBFB06D8-C54E-088C-894E-DEA27E7F11FE}"/>
-          </ac:spMkLst>
-        </pc:spChg>
         <pc:spChg chg="add mod">
           <ac:chgData name="Andrea Hazzard" userId="f8d997080a0a13a9" providerId="LiveId" clId="{C4827902-F3BB-44F7-AFAD-CFCA99A28693}" dt="2025-04-20T23:57:56.928" v="3901" actId="1036"/>
           <ac:spMkLst>
@@ -1329,14 +1297,6 @@
             <ac:spMk id="18" creationId="{E37EECFC-A684-4391-AE85-4CDAF5565F61}"/>
           </ac:spMkLst>
         </pc:spChg>
-        <pc:picChg chg="add del">
-          <ac:chgData name="Andrea Hazzard" userId="f8d997080a0a13a9" providerId="LiveId" clId="{C4827902-F3BB-44F7-AFAD-CFCA99A28693}" dt="2025-04-20T23:43:12.275" v="2777" actId="22"/>
-          <ac:picMkLst>
-            <pc:docMk/>
-            <pc:sldMk cId="2797517382" sldId="287"/>
-            <ac:picMk id="5" creationId="{FA034571-A538-7050-184D-75529A626E38}"/>
-          </ac:picMkLst>
-        </pc:picChg>
         <pc:picChg chg="add mod">
           <ac:chgData name="Andrea Hazzard" userId="f8d997080a0a13a9" providerId="LiveId" clId="{C4827902-F3BB-44F7-AFAD-CFCA99A28693}" dt="2025-04-20T23:58:31.847" v="3904" actId="1076"/>
           <ac:picMkLst>
@@ -1347,7 +1307,7 @@
         </pc:picChg>
       </pc:sldChg>
       <pc:sldChg chg="addSp delSp modSp add mod modAnim modNotesTx">
-        <pc:chgData name="Andrea Hazzard" userId="f8d997080a0a13a9" providerId="LiveId" clId="{C4827902-F3BB-44F7-AFAD-CFCA99A28693}" dt="2025-04-21T23:13:16.691" v="6413"/>
+        <pc:chgData name="Andrea Hazzard" userId="f8d997080a0a13a9" providerId="LiveId" clId="{C4827902-F3BB-44F7-AFAD-CFCA99A28693}" dt="2025-04-21T23:49:26.778" v="6429" actId="20577"/>
         <pc:sldMkLst>
           <pc:docMk/>
           <pc:sldMk cId="523526661" sldId="288"/>
@@ -22283,7 +22243,15 @@
           <a:p>
             <a:r>
               <a:rPr dirty="0"/>
-              <a:t>Predictions were saved to SQLite and exported to CSV for Tableau. This enabled deeper exploration of results and model performance.</a:t>
+              <a:t>Predictions were saved to SQLite and exported to CSV</a:t>
+            </a:r>
+            <a:r>
+              <a:rPr lang="en-US" dirty="0"/>
+              <a:t>.</a:t>
+            </a:r>
+            <a:r>
+              <a:rPr dirty="0"/>
+              <a:t> This enabled deeper exploration of results and model performance.</a:t>
             </a:r>
           </a:p>
         </p:txBody>
@@ -22617,8 +22585,23 @@
           </a:p>
           <a:p>
             <a:r>
+              <a:rPr lang="en-US" dirty="0"/>
+              <a:t>Here is where it gets interesting. Those with no chest pain symptoms </a:t>
+            </a:r>
+            <a:r>
               <a:rPr dirty="0"/>
-              <a:t>Patients reporting typical angina or asymptomatic chest pain are more likely to have heart disease. Those with non-anginal pain are more likely in the negative group.</a:t>
+              <a:t>are more likely to have heart disease</a:t>
+            </a:r>
+            <a:r>
+              <a:rPr lang="en-US" dirty="0"/>
+              <a:t> than those with chest </a:t>
+            </a:r>
+            <a:r>
+              <a:rPr lang="en-US"/>
+              <a:t>pain</a:t>
+            </a:r>
+            <a:r>
+              <a:t>.</a:t>
             </a:r>
             <a:endParaRPr lang="en-US" dirty="0"/>
           </a:p>
@@ -22672,6 +22655,49 @@
               <a:t>nitroglycerin</a:t>
             </a:r>
             <a:endParaRPr lang="en-US" dirty="0"/>
+          </a:p>
+          <a:p>
+            <a:endParaRPr lang="en-US" dirty="0"/>
+          </a:p>
+          <a:p>
+            <a:r>
+              <a:rPr lang="en-US" dirty="0"/>
+              <a:t>Patients labeled as "asymptomatic" often turn out to have </a:t>
+            </a:r>
+            <a:r>
+              <a:rPr lang="en-US" b="1" dirty="0"/>
+              <a:t>higher rates of significant heart disease</a:t>
+            </a:r>
+            <a:r>
+              <a:rPr lang="en-US" dirty="0"/>
+              <a:t>, because:</a:t>
+            </a:r>
+          </a:p>
+          <a:p>
+            <a:r>
+              <a:rPr lang="en-US" dirty="0"/>
+              <a:t>Their condition may go unnoticed longer,</a:t>
+            </a:r>
+          </a:p>
+          <a:p>
+            <a:r>
+              <a:rPr lang="en-US" dirty="0"/>
+              <a:t>They don’t seek care until more severe issues arise.</a:t>
+            </a:r>
+          </a:p>
+          <a:p>
+            <a:r>
+              <a:rPr lang="en-US" dirty="0"/>
+              <a:t>So ironically, “asymptomatic” in this case doesn’t mean healthy — it may actually </a:t>
+            </a:r>
+            <a:r>
+              <a:rPr lang="en-US" b="1" dirty="0"/>
+              <a:t>signal a higher risk</a:t>
+            </a:r>
+            <a:r>
+              <a:rPr lang="en-US" dirty="0"/>
+              <a:t> if the disease progresses undetected.</a:t>
+            </a:r>
           </a:p>
           <a:p>
             <a:endParaRPr dirty="0"/>
@@ -24236,7 +24262,7 @@
           <a:p>
             <a:r>
               <a:rPr lang="en-US" dirty="0"/>
-              <a:t>The overall accuracy of the model was 73%. A bit less than the 75% threshold.</a:t>
+              <a:t>The overall accuracy of the model was 70%. A bit less than the 75% threshold.</a:t>
             </a:r>
           </a:p>
           <a:p>
